--- a/262/Lectures/Ch5TruthSafetyReliability.pptx
+++ b/262/Lectures/Ch5TruthSafetyReliability.pptx
@@ -203,6 +203,36 @@
       </a:defRPr>
     </a:lvl9pPr>
   </p:defaultTextStyle>
+  <p:extLst>
+    <p:ext uri="{EFAFB233-063F-42B5-8137-9DF3F51BA10A}">
+      <p15:sldGuideLst xmlns:p15="http://schemas.microsoft.com/office/powerpoint/2012/main">
+        <p15:guide id="1" orient="horz" pos="2160">
+          <p15:clr>
+            <a:srgbClr val="A4A3A4"/>
+          </p15:clr>
+        </p15:guide>
+        <p15:guide id="2" pos="2880">
+          <p15:clr>
+            <a:srgbClr val="A4A3A4"/>
+          </p15:clr>
+        </p15:guide>
+      </p15:sldGuideLst>
+    </p:ext>
+    <p:ext uri="{2D200454-40CA-4A62-9FC3-DE9A4176ACB9}">
+      <p15:notesGuideLst xmlns:p15="http://schemas.microsoft.com/office/powerpoint/2012/main">
+        <p15:guide id="1" orient="horz" pos="2880">
+          <p15:clr>
+            <a:srgbClr val="A4A3A4"/>
+          </p15:clr>
+        </p15:guide>
+        <p15:guide id="2" pos="2160">
+          <p15:clr>
+            <a:srgbClr val="A4A3A4"/>
+          </p15:clr>
+        </p15:guide>
+      </p15:notesGuideLst>
+    </p:ext>
+  </p:extLst>
 </p:presentation>
 </file>
 
@@ -315,7 +345,7 @@
               <a:pPr>
                 <a:defRPr/>
               </a:pPr>
-              <a:t>3/3/2014</a:t>
+              <a:t>10/7/2014</a:t>
             </a:fld>
             <a:endParaRPr lang="en-US"/>
           </a:p>
@@ -711,6 +741,11 @@
         </p:txBody>
       </p:sp>
     </p:spTree>
+    <p:extLst>
+      <p:ext uri="{BB962C8B-B14F-4D97-AF65-F5344CB8AC3E}">
+        <p14:creationId xmlns:p14="http://schemas.microsoft.com/office/powerpoint/2010/main" val="1703236277"/>
+      </p:ext>
+    </p:extLst>
   </p:cSld>
   <p:clrMapOvr>
     <a:masterClrMapping/>
@@ -786,6 +821,11 @@
         </p:txBody>
       </p:sp>
     </p:spTree>
+    <p:extLst>
+      <p:ext uri="{BB962C8B-B14F-4D97-AF65-F5344CB8AC3E}">
+        <p14:creationId xmlns:p14="http://schemas.microsoft.com/office/powerpoint/2010/main" val="3293632148"/>
+      </p:ext>
+    </p:extLst>
   </p:cSld>
   <p:clrMapOvr>
     <a:masterClrMapping/>
@@ -861,6 +901,11 @@
         </p:txBody>
       </p:sp>
     </p:spTree>
+    <p:extLst>
+      <p:ext uri="{BB962C8B-B14F-4D97-AF65-F5344CB8AC3E}">
+        <p14:creationId xmlns:p14="http://schemas.microsoft.com/office/powerpoint/2010/main" val="1303850180"/>
+      </p:ext>
+    </p:extLst>
   </p:cSld>
   <p:clrMapOvr>
     <a:masterClrMapping/>
@@ -936,6 +981,11 @@
         </p:txBody>
       </p:sp>
     </p:spTree>
+    <p:extLst>
+      <p:ext uri="{BB962C8B-B14F-4D97-AF65-F5344CB8AC3E}">
+        <p14:creationId xmlns:p14="http://schemas.microsoft.com/office/powerpoint/2010/main" val="792360507"/>
+      </p:ext>
+    </p:extLst>
   </p:cSld>
   <p:clrMapOvr>
     <a:masterClrMapping/>
@@ -1011,6 +1061,11 @@
         </p:txBody>
       </p:sp>
     </p:spTree>
+    <p:extLst>
+      <p:ext uri="{BB962C8B-B14F-4D97-AF65-F5344CB8AC3E}">
+        <p14:creationId xmlns:p14="http://schemas.microsoft.com/office/powerpoint/2010/main" val="2823749324"/>
+      </p:ext>
+    </p:extLst>
   </p:cSld>
   <p:clrMapOvr>
     <a:masterClrMapping/>
@@ -1238,6 +1293,11 @@
         </p:txBody>
       </p:sp>
     </p:spTree>
+    <p:extLst>
+      <p:ext uri="{BB962C8B-B14F-4D97-AF65-F5344CB8AC3E}">
+        <p14:creationId xmlns:p14="http://schemas.microsoft.com/office/powerpoint/2010/main" val="3989157944"/>
+      </p:ext>
+    </p:extLst>
   </p:cSld>
   <p:clrMapOvr>
     <a:masterClrMapping/>
@@ -1313,6 +1373,11 @@
         </p:txBody>
       </p:sp>
     </p:spTree>
+    <p:extLst>
+      <p:ext uri="{BB962C8B-B14F-4D97-AF65-F5344CB8AC3E}">
+        <p14:creationId xmlns:p14="http://schemas.microsoft.com/office/powerpoint/2010/main" val="4103015385"/>
+      </p:ext>
+    </p:extLst>
   </p:cSld>
   <p:clrMapOvr>
     <a:masterClrMapping/>
@@ -1388,6 +1453,11 @@
         </p:txBody>
       </p:sp>
     </p:spTree>
+    <p:extLst>
+      <p:ext uri="{BB962C8B-B14F-4D97-AF65-F5344CB8AC3E}">
+        <p14:creationId xmlns:p14="http://schemas.microsoft.com/office/powerpoint/2010/main" val="3329340385"/>
+      </p:ext>
+    </p:extLst>
   </p:cSld>
   <p:clrMapOvr>
     <a:masterClrMapping/>
@@ -1463,6 +1533,11 @@
         </p:txBody>
       </p:sp>
     </p:spTree>
+    <p:extLst>
+      <p:ext uri="{BB962C8B-B14F-4D97-AF65-F5344CB8AC3E}">
+        <p14:creationId xmlns:p14="http://schemas.microsoft.com/office/powerpoint/2010/main" val="2220176687"/>
+      </p:ext>
+    </p:extLst>
   </p:cSld>
   <p:clrMapOvr>
     <a:masterClrMapping/>
@@ -1538,6 +1613,11 @@
         </p:txBody>
       </p:sp>
     </p:spTree>
+    <p:extLst>
+      <p:ext uri="{BB962C8B-B14F-4D97-AF65-F5344CB8AC3E}">
+        <p14:creationId xmlns:p14="http://schemas.microsoft.com/office/powerpoint/2010/main" val="989274110"/>
+      </p:ext>
+    </p:extLst>
   </p:cSld>
   <p:clrMapOvr>
     <a:masterClrMapping/>
@@ -1613,6 +1693,11 @@
         </p:txBody>
       </p:sp>
     </p:spTree>
+    <p:extLst>
+      <p:ext uri="{BB962C8B-B14F-4D97-AF65-F5344CB8AC3E}">
+        <p14:creationId xmlns:p14="http://schemas.microsoft.com/office/powerpoint/2010/main" val="21021638"/>
+      </p:ext>
+    </p:extLst>
   </p:cSld>
   <p:clrMapOvr>
     <a:masterClrMapping/>
@@ -1779,6 +1864,11 @@
         </p:txBody>
       </p:sp>
     </p:spTree>
+    <p:extLst>
+      <p:ext uri="{BB962C8B-B14F-4D97-AF65-F5344CB8AC3E}">
+        <p14:creationId xmlns:p14="http://schemas.microsoft.com/office/powerpoint/2010/main" val="3916797795"/>
+      </p:ext>
+    </p:extLst>
   </p:cSld>
   <p:clrMapOvr>
     <a:masterClrMapping/>
@@ -1854,6 +1944,11 @@
         </p:txBody>
       </p:sp>
     </p:spTree>
+    <p:extLst>
+      <p:ext uri="{BB962C8B-B14F-4D97-AF65-F5344CB8AC3E}">
+        <p14:creationId xmlns:p14="http://schemas.microsoft.com/office/powerpoint/2010/main" val="2682637488"/>
+      </p:ext>
+    </p:extLst>
   </p:cSld>
   <p:clrMapOvr>
     <a:masterClrMapping/>
@@ -1929,6 +2024,11 @@
         </p:txBody>
       </p:sp>
     </p:spTree>
+    <p:extLst>
+      <p:ext uri="{BB962C8B-B14F-4D97-AF65-F5344CB8AC3E}">
+        <p14:creationId xmlns:p14="http://schemas.microsoft.com/office/powerpoint/2010/main" val="3154317304"/>
+      </p:ext>
+    </p:extLst>
   </p:cSld>
   <p:clrMapOvr>
     <a:masterClrMapping/>
@@ -2088,6 +2188,11 @@
         </p:txBody>
       </p:sp>
     </p:spTree>
+    <p:extLst>
+      <p:ext uri="{BB962C8B-B14F-4D97-AF65-F5344CB8AC3E}">
+        <p14:creationId xmlns:p14="http://schemas.microsoft.com/office/powerpoint/2010/main" val="325808260"/>
+      </p:ext>
+    </p:extLst>
   </p:cSld>
   <p:clrMapOvr>
     <a:masterClrMapping/>
@@ -2175,6 +2280,11 @@
         </p:txBody>
       </p:sp>
     </p:spTree>
+    <p:extLst>
+      <p:ext uri="{BB962C8B-B14F-4D97-AF65-F5344CB8AC3E}">
+        <p14:creationId xmlns:p14="http://schemas.microsoft.com/office/powerpoint/2010/main" val="2311141399"/>
+      </p:ext>
+    </p:extLst>
   </p:cSld>
   <p:clrMapOvr>
     <a:masterClrMapping/>
@@ -2250,6 +2360,11 @@
         </p:txBody>
       </p:sp>
     </p:spTree>
+    <p:extLst>
+      <p:ext uri="{BB962C8B-B14F-4D97-AF65-F5344CB8AC3E}">
+        <p14:creationId xmlns:p14="http://schemas.microsoft.com/office/powerpoint/2010/main" val="4182104161"/>
+      </p:ext>
+    </p:extLst>
   </p:cSld>
   <p:clrMapOvr>
     <a:masterClrMapping/>
@@ -2325,6 +2440,11 @@
         </p:txBody>
       </p:sp>
     </p:spTree>
+    <p:extLst>
+      <p:ext uri="{BB962C8B-B14F-4D97-AF65-F5344CB8AC3E}">
+        <p14:creationId xmlns:p14="http://schemas.microsoft.com/office/powerpoint/2010/main" val="1402955642"/>
+      </p:ext>
+    </p:extLst>
   </p:cSld>
   <p:clrMapOvr>
     <a:masterClrMapping/>
@@ -2400,6 +2520,11 @@
         </p:txBody>
       </p:sp>
     </p:spTree>
+    <p:extLst>
+      <p:ext uri="{BB962C8B-B14F-4D97-AF65-F5344CB8AC3E}">
+        <p14:creationId xmlns:p14="http://schemas.microsoft.com/office/powerpoint/2010/main" val="1767857468"/>
+      </p:ext>
+    </p:extLst>
   </p:cSld>
   <p:clrMapOvr>
     <a:masterClrMapping/>
@@ -2616,6 +2741,14 @@
   <p:clrMapOvr>
     <a:masterClrMapping/>
   </p:clrMapOvr>
+  <mc:AlternateContent xmlns:mc="http://schemas.openxmlformats.org/markup-compatibility/2006">
+    <mc:Choice xmlns:p14="http://schemas.microsoft.com/office/powerpoint/2010/main" Requires="p14">
+      <p:transition spd="slow" p14:dur="2000"/>
+    </mc:Choice>
+    <mc:Fallback>
+      <p:transition spd="slow"/>
+    </mc:Fallback>
+  </mc:AlternateContent>
 </p:sldLayout>
 </file>
 
@@ -2827,6 +2960,14 @@
   <p:clrMapOvr>
     <a:masterClrMapping/>
   </p:clrMapOvr>
+  <mc:AlternateContent xmlns:mc="http://schemas.openxmlformats.org/markup-compatibility/2006">
+    <mc:Choice xmlns:p14="http://schemas.microsoft.com/office/powerpoint/2010/main" Requires="p14">
+      <p:transition spd="slow" p14:dur="2000"/>
+    </mc:Choice>
+    <mc:Fallback>
+      <p:transition spd="slow"/>
+    </mc:Fallback>
+  </mc:AlternateContent>
 </p:sldLayout>
 </file>
 
@@ -3048,6 +3189,14 @@
   <p:clrMapOvr>
     <a:masterClrMapping/>
   </p:clrMapOvr>
+  <mc:AlternateContent xmlns:mc="http://schemas.openxmlformats.org/markup-compatibility/2006">
+    <mc:Choice xmlns:p14="http://schemas.microsoft.com/office/powerpoint/2010/main" Requires="p14">
+      <p:transition spd="slow" p14:dur="2000"/>
+    </mc:Choice>
+    <mc:Fallback>
+      <p:transition spd="slow"/>
+    </mc:Fallback>
+  </mc:AlternateContent>
 </p:sldLayout>
 </file>
 
@@ -3216,6 +3365,14 @@
   <p:clrMapOvr>
     <a:masterClrMapping/>
   </p:clrMapOvr>
+  <mc:AlternateContent xmlns:mc="http://schemas.openxmlformats.org/markup-compatibility/2006">
+    <mc:Choice xmlns:p14="http://schemas.microsoft.com/office/powerpoint/2010/main" Requires="p14">
+      <p:transition spd="slow" p14:dur="2000"/>
+    </mc:Choice>
+    <mc:Fallback>
+      <p:transition spd="slow"/>
+    </mc:Fallback>
+  </mc:AlternateContent>
 </p:sldLayout>
 </file>
 
@@ -3503,6 +3660,14 @@
   <p:clrMapOvr>
     <a:masterClrMapping/>
   </p:clrMapOvr>
+  <mc:AlternateContent xmlns:mc="http://schemas.openxmlformats.org/markup-compatibility/2006">
+    <mc:Choice xmlns:p14="http://schemas.microsoft.com/office/powerpoint/2010/main" Requires="p14">
+      <p:transition spd="slow" p14:dur="2000"/>
+    </mc:Choice>
+    <mc:Fallback>
+      <p:transition spd="slow"/>
+    </mc:Fallback>
+  </mc:AlternateContent>
 </p:sldLayout>
 </file>
 
@@ -3832,6 +3997,14 @@
   <p:clrMapOvr>
     <a:masterClrMapping/>
   </p:clrMapOvr>
+  <mc:AlternateContent xmlns:mc="http://schemas.openxmlformats.org/markup-compatibility/2006">
+    <mc:Choice xmlns:p14="http://schemas.microsoft.com/office/powerpoint/2010/main" Requires="p14">
+      <p:transition spd="slow" p14:dur="2000"/>
+    </mc:Choice>
+    <mc:Fallback>
+      <p:transition spd="slow"/>
+    </mc:Fallback>
+  </mc:AlternateContent>
 </p:sldLayout>
 </file>
 
@@ -4295,6 +4468,14 @@
   <p:clrMapOvr>
     <a:masterClrMapping/>
   </p:clrMapOvr>
+  <mc:AlternateContent xmlns:mc="http://schemas.openxmlformats.org/markup-compatibility/2006">
+    <mc:Choice xmlns:p14="http://schemas.microsoft.com/office/powerpoint/2010/main" Requires="p14">
+      <p:transition spd="slow" p14:dur="2000"/>
+    </mc:Choice>
+    <mc:Fallback>
+      <p:transition spd="slow"/>
+    </mc:Fallback>
+  </mc:AlternateContent>
 </p:sldLayout>
 </file>
 
@@ -4454,6 +4635,14 @@
   <p:clrMapOvr>
     <a:masterClrMapping/>
   </p:clrMapOvr>
+  <mc:AlternateContent xmlns:mc="http://schemas.openxmlformats.org/markup-compatibility/2006">
+    <mc:Choice xmlns:p14="http://schemas.microsoft.com/office/powerpoint/2010/main" Requires="p14">
+      <p:transition spd="slow" p14:dur="2000"/>
+    </mc:Choice>
+    <mc:Fallback>
+      <p:transition spd="slow"/>
+    </mc:Fallback>
+  </mc:AlternateContent>
 </p:sldLayout>
 </file>
 
@@ -4590,6 +4779,14 @@
   <p:clrMapOvr>
     <a:masterClrMapping/>
   </p:clrMapOvr>
+  <mc:AlternateContent xmlns:mc="http://schemas.openxmlformats.org/markup-compatibility/2006">
+    <mc:Choice xmlns:p14="http://schemas.microsoft.com/office/powerpoint/2010/main" Requires="p14">
+      <p:transition spd="slow" p14:dur="2000"/>
+    </mc:Choice>
+    <mc:Fallback>
+      <p:transition spd="slow"/>
+    </mc:Fallback>
+  </mc:AlternateContent>
 </p:sldLayout>
 </file>
 
@@ -4908,6 +5105,14 @@
   <p:clrMapOvr>
     <a:masterClrMapping/>
   </p:clrMapOvr>
+  <mc:AlternateContent xmlns:mc="http://schemas.openxmlformats.org/markup-compatibility/2006">
+    <mc:Choice xmlns:p14="http://schemas.microsoft.com/office/powerpoint/2010/main" Requires="p14">
+      <p:transition spd="slow" p14:dur="2000"/>
+    </mc:Choice>
+    <mc:Fallback>
+      <p:transition spd="slow"/>
+    </mc:Fallback>
+  </mc:AlternateContent>
 </p:sldLayout>
 </file>
 
@@ -5209,6 +5414,14 @@
   <p:clrMapOvr>
     <a:masterClrMapping/>
   </p:clrMapOvr>
+  <mc:AlternateContent xmlns:mc="http://schemas.openxmlformats.org/markup-compatibility/2006">
+    <mc:Choice xmlns:p14="http://schemas.microsoft.com/office/powerpoint/2010/main" Requires="p14">
+      <p:transition spd="slow" p14:dur="2000"/>
+    </mc:Choice>
+    <mc:Fallback>
+      <p:transition spd="slow"/>
+    </mc:Fallback>
+  </mc:AlternateContent>
 </p:sldLayout>
 </file>
 
@@ -5503,6 +5716,14 @@
     <p:sldLayoutId id="2147483703" r:id="rId10"/>
     <p:sldLayoutId id="2147483704" r:id="rId11"/>
   </p:sldLayoutIdLst>
+  <mc:AlternateContent xmlns:mc="http://schemas.openxmlformats.org/markup-compatibility/2006">
+    <mc:Choice xmlns:p14="http://schemas.microsoft.com/office/powerpoint/2010/main" Requires="p14">
+      <p:transition spd="slow" p14:dur="2000"/>
+    </mc:Choice>
+    <mc:Fallback>
+      <p:transition spd="slow"/>
+    </mc:Fallback>
+  </mc:AlternateContent>
   <p:hf hdr="0" dt="0"/>
   <p:txStyles>
     <p:titleStyle>
@@ -6003,6 +6224,14 @@
   <p:clrMapOvr>
     <a:masterClrMapping/>
   </p:clrMapOvr>
+  <mc:AlternateContent xmlns:mc="http://schemas.openxmlformats.org/markup-compatibility/2006">
+    <mc:Choice xmlns:p14="http://schemas.microsoft.com/office/powerpoint/2010/main" Requires="p14">
+      <p:transition spd="slow" p14:dur="2000"/>
+    </mc:Choice>
+    <mc:Fallback>
+      <p:transition spd="slow"/>
+    </mc:Fallback>
+  </mc:AlternateContent>
 </p:sld>
 </file>
 
@@ -6168,6 +6397,14 @@
   <p:clrMapOvr>
     <a:masterClrMapping/>
   </p:clrMapOvr>
+  <mc:AlternateContent xmlns:mc="http://schemas.openxmlformats.org/markup-compatibility/2006">
+    <mc:Choice xmlns:p14="http://schemas.microsoft.com/office/powerpoint/2010/main" Requires="p14">
+      <p:transition spd="slow" p14:dur="2000"/>
+    </mc:Choice>
+    <mc:Fallback>
+      <p:transition spd="slow"/>
+    </mc:Fallback>
+  </mc:AlternateContent>
 </p:sld>
 </file>
 
@@ -6337,6 +6574,14 @@
   <p:clrMapOvr>
     <a:masterClrMapping/>
   </p:clrMapOvr>
+  <mc:AlternateContent xmlns:mc="http://schemas.openxmlformats.org/markup-compatibility/2006">
+    <mc:Choice xmlns:p14="http://schemas.microsoft.com/office/powerpoint/2010/main" Requires="p14">
+      <p:transition spd="slow" p14:dur="2000"/>
+    </mc:Choice>
+    <mc:Fallback>
+      <p:transition spd="slow"/>
+    </mc:Fallback>
+  </mc:AlternateContent>
 </p:sld>
 </file>
 
@@ -6514,6 +6759,14 @@
   <p:clrMapOvr>
     <a:masterClrMapping/>
   </p:clrMapOvr>
+  <mc:AlternateContent xmlns:mc="http://schemas.openxmlformats.org/markup-compatibility/2006">
+    <mc:Choice xmlns:p14="http://schemas.microsoft.com/office/powerpoint/2010/main" Requires="p14">
+      <p:transition spd="slow" p14:dur="2000"/>
+    </mc:Choice>
+    <mc:Fallback>
+      <p:transition spd="slow"/>
+    </mc:Fallback>
+  </mc:AlternateContent>
 </p:sld>
 </file>
 
@@ -6674,6 +6927,14 @@
   <p:clrMapOvr>
     <a:masterClrMapping/>
   </p:clrMapOvr>
+  <mc:AlternateContent xmlns:mc="http://schemas.openxmlformats.org/markup-compatibility/2006">
+    <mc:Choice xmlns:p14="http://schemas.microsoft.com/office/powerpoint/2010/main" Requires="p14">
+      <p:transition spd="slow" p14:dur="2000"/>
+    </mc:Choice>
+    <mc:Fallback>
+      <p:transition spd="slow"/>
+    </mc:Fallback>
+  </mc:AlternateContent>
 </p:sld>
 </file>
 
@@ -6842,6 +7103,14 @@
   <p:clrMapOvr>
     <a:masterClrMapping/>
   </p:clrMapOvr>
+  <mc:AlternateContent xmlns:mc="http://schemas.openxmlformats.org/markup-compatibility/2006">
+    <mc:Choice xmlns:p14="http://schemas.microsoft.com/office/powerpoint/2010/main" Requires="p14">
+      <p:transition spd="slow" p14:dur="2000"/>
+    </mc:Choice>
+    <mc:Fallback>
+      <p:transition spd="slow"/>
+    </mc:Fallback>
+  </mc:AlternateContent>
 </p:sld>
 </file>
 
@@ -7001,6 +7270,14 @@
   <p:clrMapOvr>
     <a:masterClrMapping/>
   </p:clrMapOvr>
+  <mc:AlternateContent xmlns:mc="http://schemas.openxmlformats.org/markup-compatibility/2006">
+    <mc:Choice xmlns:p14="http://schemas.microsoft.com/office/powerpoint/2010/main" Requires="p14">
+      <p:transition spd="slow" p14:dur="2000"/>
+    </mc:Choice>
+    <mc:Fallback>
+      <p:transition spd="slow"/>
+    </mc:Fallback>
+  </mc:AlternateContent>
 </p:sld>
 </file>
 
@@ -7182,6 +7459,14 @@
   <p:clrMapOvr>
     <a:masterClrMapping/>
   </p:clrMapOvr>
+  <mc:AlternateContent xmlns:mc="http://schemas.openxmlformats.org/markup-compatibility/2006">
+    <mc:Choice xmlns:p14="http://schemas.microsoft.com/office/powerpoint/2010/main" Requires="p14">
+      <p:transition spd="slow" p14:dur="2000"/>
+    </mc:Choice>
+    <mc:Fallback>
+      <p:transition spd="slow"/>
+    </mc:Fallback>
+  </mc:AlternateContent>
 </p:sld>
 </file>
 
@@ -7371,6 +7656,14 @@
   <p:clrMapOvr>
     <a:masterClrMapping/>
   </p:clrMapOvr>
+  <mc:AlternateContent xmlns:mc="http://schemas.openxmlformats.org/markup-compatibility/2006">
+    <mc:Choice xmlns:p14="http://schemas.microsoft.com/office/powerpoint/2010/main" Requires="p14">
+      <p:transition spd="slow" p14:dur="2000"/>
+    </mc:Choice>
+    <mc:Fallback>
+      <p:transition spd="slow"/>
+    </mc:Fallback>
+  </mc:AlternateContent>
 </p:sld>
 </file>
 
@@ -7596,6 +7889,14 @@
   <p:clrMapOvr>
     <a:masterClrMapping/>
   </p:clrMapOvr>
+  <mc:AlternateContent xmlns:mc="http://schemas.openxmlformats.org/markup-compatibility/2006">
+    <mc:Choice xmlns:p14="http://schemas.microsoft.com/office/powerpoint/2010/main" Requires="p14">
+      <p:transition spd="slow" p14:dur="2000"/>
+    </mc:Choice>
+    <mc:Fallback>
+      <p:transition spd="slow"/>
+    </mc:Fallback>
+  </mc:AlternateContent>
 </p:sld>
 </file>
 
@@ -7780,6 +8081,14 @@
   <p:clrMapOvr>
     <a:masterClrMapping/>
   </p:clrMapOvr>
+  <mc:AlternateContent xmlns:mc="http://schemas.openxmlformats.org/markup-compatibility/2006">
+    <mc:Choice xmlns:p14="http://schemas.microsoft.com/office/powerpoint/2010/main" Requires="p14">
+      <p:transition spd="slow" p14:dur="2000"/>
+    </mc:Choice>
+    <mc:Fallback>
+      <p:transition spd="slow"/>
+    </mc:Fallback>
+  </mc:AlternateContent>
 </p:sld>
 </file>
 
@@ -7948,6 +8257,14 @@
   <p:clrMapOvr>
     <a:masterClrMapping/>
   </p:clrMapOvr>
+  <mc:AlternateContent xmlns:mc="http://schemas.openxmlformats.org/markup-compatibility/2006">
+    <mc:Choice xmlns:p14="http://schemas.microsoft.com/office/powerpoint/2010/main" Requires="p14">
+      <p:transition spd="slow" p14:dur="2000"/>
+    </mc:Choice>
+    <mc:Fallback>
+      <p:transition spd="slow"/>
+    </mc:Fallback>
+  </mc:AlternateContent>
 </p:sld>
 </file>
 
@@ -8120,6 +8437,14 @@
   <p:clrMapOvr>
     <a:masterClrMapping/>
   </p:clrMapOvr>
+  <mc:AlternateContent xmlns:mc="http://schemas.openxmlformats.org/markup-compatibility/2006">
+    <mc:Choice xmlns:p14="http://schemas.microsoft.com/office/powerpoint/2010/main" Requires="p14">
+      <p:transition spd="slow" p14:dur="2000"/>
+    </mc:Choice>
+    <mc:Fallback>
+      <p:transition spd="slow"/>
+    </mc:Fallback>
+  </mc:AlternateContent>
 </p:sld>
 </file>
 
@@ -8309,6 +8634,14 @@
   <p:clrMapOvr>
     <a:masterClrMapping/>
   </p:clrMapOvr>
+  <mc:AlternateContent xmlns:mc="http://schemas.openxmlformats.org/markup-compatibility/2006">
+    <mc:Choice xmlns:p14="http://schemas.microsoft.com/office/powerpoint/2010/main" Requires="p14">
+      <p:transition spd="slow" p14:dur="2000"/>
+    </mc:Choice>
+    <mc:Fallback>
+      <p:transition spd="slow"/>
+    </mc:Fallback>
+  </mc:AlternateContent>
 </p:sld>
 </file>
 
@@ -8499,6 +8832,14 @@
   <p:clrMapOvr>
     <a:masterClrMapping/>
   </p:clrMapOvr>
+  <mc:AlternateContent xmlns:mc="http://schemas.openxmlformats.org/markup-compatibility/2006">
+    <mc:Choice xmlns:p14="http://schemas.microsoft.com/office/powerpoint/2010/main" Requires="p14">
+      <p:transition spd="slow" p14:dur="2000"/>
+    </mc:Choice>
+    <mc:Fallback>
+      <p:transition spd="slow"/>
+    </mc:Fallback>
+  </mc:AlternateContent>
 </p:sld>
 </file>
 
@@ -8628,14 +8969,7 @@
                 <a:latin typeface="Arial" charset="0"/>
                 <a:cs typeface="Arial" charset="0"/>
               </a:rPr>
-              <a:t>Multi-process</a:t>
-            </a:r>
-            <a:r>
-              <a:rPr lang="en-US" altLang="ja-JP" b="1" dirty="0" smtClean="0">
-                <a:latin typeface="Arial" charset="0"/>
-                <a:cs typeface="Arial" charset="0"/>
-              </a:rPr>
-              <a:t>: </a:t>
+              <a:t>Multi-process: </a:t>
             </a:r>
             <a:r>
               <a:rPr lang="en-US" altLang="ja-JP" dirty="0" smtClean="0">
@@ -8725,6 +9059,14 @@
   <p:clrMapOvr>
     <a:masterClrMapping/>
   </p:clrMapOvr>
+  <mc:AlternateContent xmlns:mc="http://schemas.openxmlformats.org/markup-compatibility/2006">
+    <mc:Choice xmlns:p14="http://schemas.microsoft.com/office/powerpoint/2010/main" Requires="p14">
+      <p:transition spd="slow" p14:dur="2000"/>
+    </mc:Choice>
+    <mc:Fallback>
+      <p:transition spd="slow"/>
+    </mc:Fallback>
+  </mc:AlternateContent>
 </p:sld>
 </file>
 
@@ -8911,6 +9253,14 @@
   <p:clrMapOvr>
     <a:masterClrMapping/>
   </p:clrMapOvr>
+  <mc:AlternateContent xmlns:mc="http://schemas.openxmlformats.org/markup-compatibility/2006">
+    <mc:Choice xmlns:p14="http://schemas.microsoft.com/office/powerpoint/2010/main" Requires="p14">
+      <p:transition spd="slow" p14:dur="2000"/>
+    </mc:Choice>
+    <mc:Fallback>
+      <p:transition spd="slow"/>
+    </mc:Fallback>
+  </mc:AlternateContent>
 </p:sld>
 </file>
 
@@ -9055,6 +9405,14 @@
   <p:clrMapOvr>
     <a:masterClrMapping/>
   </p:clrMapOvr>
+  <mc:AlternateContent xmlns:mc="http://schemas.openxmlformats.org/markup-compatibility/2006">
+    <mc:Choice xmlns:p14="http://schemas.microsoft.com/office/powerpoint/2010/main" Requires="p14">
+      <p:transition spd="slow" p14:dur="2000"/>
+    </mc:Choice>
+    <mc:Fallback>
+      <p:transition spd="slow"/>
+    </mc:Fallback>
+  </mc:AlternateContent>
 </p:sld>
 </file>
 
@@ -9236,6 +9594,14 @@
   <p:clrMapOvr>
     <a:masterClrMapping/>
   </p:clrMapOvr>
+  <mc:AlternateContent xmlns:mc="http://schemas.openxmlformats.org/markup-compatibility/2006">
+    <mc:Choice xmlns:p14="http://schemas.microsoft.com/office/powerpoint/2010/main" Requires="p14">
+      <p:transition spd="slow" p14:dur="2000"/>
+    </mc:Choice>
+    <mc:Fallback>
+      <p:transition spd="slow"/>
+    </mc:Fallback>
+  </mc:AlternateContent>
 </p:sld>
 </file>
 
@@ -9440,6 +9806,14 @@
   <p:clrMapOvr>
     <a:masterClrMapping/>
   </p:clrMapOvr>
+  <mc:AlternateContent xmlns:mc="http://schemas.openxmlformats.org/markup-compatibility/2006">
+    <mc:Choice xmlns:p14="http://schemas.microsoft.com/office/powerpoint/2010/main" Requires="p14">
+      <p:transition spd="slow" p14:dur="2000"/>
+    </mc:Choice>
+    <mc:Fallback>
+      <p:transition spd="slow"/>
+    </mc:Fallback>
+  </mc:AlternateContent>
 </p:sld>
 </file>
 
@@ -9648,6 +10022,14 @@
   <p:clrMapOvr>
     <a:masterClrMapping/>
   </p:clrMapOvr>
+  <mc:AlternateContent xmlns:mc="http://schemas.openxmlformats.org/markup-compatibility/2006">
+    <mc:Choice xmlns:p14="http://schemas.microsoft.com/office/powerpoint/2010/main" Requires="p14">
+      <p:transition spd="slow" p14:dur="2000"/>
+    </mc:Choice>
+    <mc:Fallback>
+      <p:transition spd="slow"/>
+    </mc:Fallback>
+  </mc:AlternateContent>
   <p:timing>
     <p:tnLst>
       <p:par>
@@ -9748,7 +10130,6 @@
               <a:rPr lang="en-US" dirty="0" smtClean="0"/>
               <a:t>Unlike earlier versions, it relied much more heavily on the machine’s software for control and hence for safety. </a:t>
             </a:r>
-            <a:endParaRPr lang="en-US" dirty="0" smtClean="0"/>
           </a:p>
           <a:p>
             <a:r>
@@ -9895,6 +10276,14 @@
   <p:clrMapOvr>
     <a:masterClrMapping/>
   </p:clrMapOvr>
+  <mc:AlternateContent xmlns:mc="http://schemas.openxmlformats.org/markup-compatibility/2006">
+    <mc:Choice xmlns:p14="http://schemas.microsoft.com/office/powerpoint/2010/main" Requires="p14">
+      <p:transition spd="slow" p14:dur="2000"/>
+    </mc:Choice>
+    <mc:Fallback>
+      <p:transition spd="slow"/>
+    </mc:Fallback>
+  </mc:AlternateContent>
   <p:timing>
     <p:tnLst>
       <p:par>
@@ -10204,6 +10593,14 @@
   <p:clrMapOvr>
     <a:masterClrMapping/>
   </p:clrMapOvr>
+  <mc:AlternateContent xmlns:mc="http://schemas.openxmlformats.org/markup-compatibility/2006">
+    <mc:Choice xmlns:p14="http://schemas.microsoft.com/office/powerpoint/2010/main" Requires="p14">
+      <p:transition spd="slow" p14:dur="2000"/>
+    </mc:Choice>
+    <mc:Fallback>
+      <p:transition spd="slow"/>
+    </mc:Fallback>
+  </mc:AlternateContent>
 </p:sld>
 </file>
 
@@ -10381,6 +10778,14 @@
   <p:clrMapOvr>
     <a:masterClrMapping/>
   </p:clrMapOvr>
+  <mc:AlternateContent xmlns:mc="http://schemas.openxmlformats.org/markup-compatibility/2006">
+    <mc:Choice xmlns:p14="http://schemas.microsoft.com/office/powerpoint/2010/main" Requires="p14">
+      <p:transition spd="slow" p14:dur="2000"/>
+    </mc:Choice>
+    <mc:Fallback>
+      <p:transition spd="slow"/>
+    </mc:Fallback>
+  </mc:AlternateContent>
   <p:timing>
     <p:tnLst>
       <p:par>
@@ -10565,6 +10970,14 @@
   <p:clrMapOvr>
     <a:masterClrMapping/>
   </p:clrMapOvr>
+  <mc:AlternateContent xmlns:mc="http://schemas.openxmlformats.org/markup-compatibility/2006">
+    <mc:Choice xmlns:p14="http://schemas.microsoft.com/office/powerpoint/2010/main" Requires="p14">
+      <p:transition spd="slow" p14:dur="2000"/>
+    </mc:Choice>
+    <mc:Fallback>
+      <p:transition spd="slow"/>
+    </mc:Fallback>
+  </mc:AlternateContent>
 </p:sld>
 </file>
 
@@ -10742,6 +11155,14 @@
   <p:clrMapOvr>
     <a:masterClrMapping/>
   </p:clrMapOvr>
+  <mc:AlternateContent xmlns:mc="http://schemas.openxmlformats.org/markup-compatibility/2006">
+    <mc:Choice xmlns:p14="http://schemas.microsoft.com/office/powerpoint/2010/main" Requires="p14">
+      <p:transition spd="slow" p14:dur="2000"/>
+    </mc:Choice>
+    <mc:Fallback>
+      <p:transition spd="slow"/>
+    </mc:Fallback>
+  </mc:AlternateContent>
   <p:timing>
     <p:tnLst>
       <p:par>
@@ -10926,6 +11347,14 @@
   <p:clrMapOvr>
     <a:masterClrMapping/>
   </p:clrMapOvr>
+  <mc:AlternateContent xmlns:mc="http://schemas.openxmlformats.org/markup-compatibility/2006">
+    <mc:Choice xmlns:p14="http://schemas.microsoft.com/office/powerpoint/2010/main" Requires="p14">
+      <p:transition spd="slow" p14:dur="2000"/>
+    </mc:Choice>
+    <mc:Fallback>
+      <p:transition spd="slow"/>
+    </mc:Fallback>
+  </mc:AlternateContent>
   <p:timing>
     <p:tnLst>
       <p:par>
@@ -11110,6 +11539,14 @@
   <p:clrMapOvr>
     <a:masterClrMapping/>
   </p:clrMapOvr>
+  <mc:AlternateContent xmlns:mc="http://schemas.openxmlformats.org/markup-compatibility/2006">
+    <mc:Choice xmlns:p14="http://schemas.microsoft.com/office/powerpoint/2010/main" Requires="p14">
+      <p:transition spd="slow" p14:dur="2000"/>
+    </mc:Choice>
+    <mc:Fallback>
+      <p:transition spd="slow"/>
+    </mc:Fallback>
+  </mc:AlternateContent>
 </p:sld>
 </file>
 
@@ -11287,6 +11724,14 @@
   <p:clrMapOvr>
     <a:masterClrMapping/>
   </p:clrMapOvr>
+  <mc:AlternateContent xmlns:mc="http://schemas.openxmlformats.org/markup-compatibility/2006">
+    <mc:Choice xmlns:p14="http://schemas.microsoft.com/office/powerpoint/2010/main" Requires="p14">
+      <p:transition spd="slow" p14:dur="2000"/>
+    </mc:Choice>
+    <mc:Fallback>
+      <p:transition spd="slow"/>
+    </mc:Fallback>
+  </mc:AlternateContent>
 </p:sld>
 </file>
 
@@ -11475,6 +11920,14 @@
   <p:clrMapOvr>
     <a:masterClrMapping/>
   </p:clrMapOvr>
+  <mc:AlternateContent xmlns:mc="http://schemas.openxmlformats.org/markup-compatibility/2006">
+    <mc:Choice xmlns:p14="http://schemas.microsoft.com/office/powerpoint/2010/main" Requires="p14">
+      <p:transition spd="slow" p14:dur="2000"/>
+    </mc:Choice>
+    <mc:Fallback>
+      <p:transition spd="slow"/>
+    </mc:Fallback>
+  </mc:AlternateContent>
   <p:timing>
     <p:tnLst>
       <p:par>
@@ -11669,6 +12122,14 @@
   <p:clrMapOvr>
     <a:masterClrMapping/>
   </p:clrMapOvr>
+  <mc:AlternateContent xmlns:mc="http://schemas.openxmlformats.org/markup-compatibility/2006">
+    <mc:Choice xmlns:p14="http://schemas.microsoft.com/office/powerpoint/2010/main" Requires="p14">
+      <p:transition spd="slow" p14:dur="2000"/>
+    </mc:Choice>
+    <mc:Fallback>
+      <p:transition spd="slow"/>
+    </mc:Fallback>
+  </mc:AlternateContent>
   <p:timing>
     <p:tnLst>
       <p:par>
@@ -11892,6 +12353,14 @@
   <p:clrMapOvr>
     <a:masterClrMapping/>
   </p:clrMapOvr>
+  <mc:AlternateContent xmlns:mc="http://schemas.openxmlformats.org/markup-compatibility/2006">
+    <mc:Choice xmlns:p14="http://schemas.microsoft.com/office/powerpoint/2010/main" Requires="p14">
+      <p:transition spd="slow" p14:dur="2000"/>
+    </mc:Choice>
+    <mc:Fallback>
+      <p:transition spd="slow"/>
+    </mc:Fallback>
+  </mc:AlternateContent>
   <p:timing>
     <p:tnLst>
       <p:par>
@@ -12076,6 +12545,14 @@
   <p:clrMapOvr>
     <a:masterClrMapping/>
   </p:clrMapOvr>
+  <mc:AlternateContent xmlns:mc="http://schemas.openxmlformats.org/markup-compatibility/2006">
+    <mc:Choice xmlns:p14="http://schemas.microsoft.com/office/powerpoint/2010/main" Requires="p14">
+      <p:transition spd="slow" p14:dur="2000"/>
+    </mc:Choice>
+    <mc:Fallback>
+      <p:transition spd="slow"/>
+    </mc:Fallback>
+  </mc:AlternateContent>
 </p:sld>
 </file>
 
@@ -12236,6 +12713,14 @@
   <p:clrMapOvr>
     <a:masterClrMapping/>
   </p:clrMapOvr>
+  <mc:AlternateContent xmlns:mc="http://schemas.openxmlformats.org/markup-compatibility/2006">
+    <mc:Choice xmlns:p14="http://schemas.microsoft.com/office/powerpoint/2010/main" Requires="p14">
+      <p:transition spd="slow" p14:dur="2000"/>
+    </mc:Choice>
+    <mc:Fallback>
+      <p:transition spd="slow"/>
+    </mc:Fallback>
+  </mc:AlternateContent>
 </p:sld>
 </file>
 
@@ -12399,6 +12884,14 @@
   <p:clrMapOvr>
     <a:masterClrMapping/>
   </p:clrMapOvr>
+  <mc:AlternateContent xmlns:mc="http://schemas.openxmlformats.org/markup-compatibility/2006">
+    <mc:Choice xmlns:p14="http://schemas.microsoft.com/office/powerpoint/2010/main" Requires="p14">
+      <p:transition spd="slow" p14:dur="2000"/>
+    </mc:Choice>
+    <mc:Fallback>
+      <p:transition spd="slow"/>
+    </mc:Fallback>
+  </mc:AlternateContent>
   <p:timing>
     <p:tnLst>
       <p:par>
@@ -12544,6 +13037,14 @@
   <p:clrMapOvr>
     <a:masterClrMapping/>
   </p:clrMapOvr>
+  <mc:AlternateContent xmlns:mc="http://schemas.openxmlformats.org/markup-compatibility/2006">
+    <mc:Choice xmlns:p14="http://schemas.microsoft.com/office/powerpoint/2010/main" Requires="p14">
+      <p:transition spd="slow" p14:dur="2000"/>
+    </mc:Choice>
+    <mc:Fallback>
+      <p:transition spd="slow"/>
+    </mc:Fallback>
+  </mc:AlternateContent>
 </p:sld>
 </file>
 
@@ -12705,6 +13206,14 @@
   <p:clrMapOvr>
     <a:masterClrMapping/>
   </p:clrMapOvr>
+  <mc:AlternateContent xmlns:mc="http://schemas.openxmlformats.org/markup-compatibility/2006">
+    <mc:Choice xmlns:p14="http://schemas.microsoft.com/office/powerpoint/2010/main" Requires="p14">
+      <p:transition spd="slow" p14:dur="2000"/>
+    </mc:Choice>
+    <mc:Fallback>
+      <p:transition spd="slow"/>
+    </mc:Fallback>
+  </mc:AlternateContent>
 </p:sld>
 </file>
 
@@ -12843,6 +13352,14 @@
   <p:clrMapOvr>
     <a:masterClrMapping/>
   </p:clrMapOvr>
+  <mc:AlternateContent xmlns:mc="http://schemas.openxmlformats.org/markup-compatibility/2006">
+    <mc:Choice xmlns:p14="http://schemas.microsoft.com/office/powerpoint/2010/main" Requires="p14">
+      <p:transition spd="slow" p14:dur="2000"/>
+    </mc:Choice>
+    <mc:Fallback>
+      <p:transition spd="slow"/>
+    </mc:Fallback>
+  </mc:AlternateContent>
 </p:sld>
 </file>
 
@@ -13014,6 +13531,14 @@
   <p:clrMapOvr>
     <a:masterClrMapping/>
   </p:clrMapOvr>
+  <mc:AlternateContent xmlns:mc="http://schemas.openxmlformats.org/markup-compatibility/2006">
+    <mc:Choice xmlns:p14="http://schemas.microsoft.com/office/powerpoint/2010/main" Requires="p14">
+      <p:transition spd="slow" p14:dur="2000"/>
+    </mc:Choice>
+    <mc:Fallback>
+      <p:transition spd="slow"/>
+    </mc:Fallback>
+  </mc:AlternateContent>
 </p:sld>
 </file>
 
@@ -13155,6 +13680,14 @@
   <p:clrMapOvr>
     <a:masterClrMapping/>
   </p:clrMapOvr>
+  <mc:AlternateContent xmlns:mc="http://schemas.openxmlformats.org/markup-compatibility/2006">
+    <mc:Choice xmlns:p14="http://schemas.microsoft.com/office/powerpoint/2010/main" Requires="p14">
+      <p:transition spd="slow" p14:dur="2000"/>
+    </mc:Choice>
+    <mc:Fallback>
+      <p:transition spd="slow"/>
+    </mc:Fallback>
+  </mc:AlternateContent>
 </p:sld>
 </file>
 
@@ -13290,6 +13823,14 @@
   <p:clrMapOvr>
     <a:masterClrMapping/>
   </p:clrMapOvr>
+  <mc:AlternateContent xmlns:mc="http://schemas.openxmlformats.org/markup-compatibility/2006">
+    <mc:Choice xmlns:p14="http://schemas.microsoft.com/office/powerpoint/2010/main" Requires="p14">
+      <p:transition spd="slow" p14:dur="2000"/>
+    </mc:Choice>
+    <mc:Fallback>
+      <p:transition spd="slow"/>
+    </mc:Fallback>
+  </mc:AlternateContent>
 </p:sld>
 </file>
 
@@ -13485,6 +14026,14 @@
   <p:clrMapOvr>
     <a:masterClrMapping/>
   </p:clrMapOvr>
+  <mc:AlternateContent xmlns:mc="http://schemas.openxmlformats.org/markup-compatibility/2006">
+    <mc:Choice xmlns:p14="http://schemas.microsoft.com/office/powerpoint/2010/main" Requires="p14">
+      <p:transition spd="slow" p14:dur="2000"/>
+    </mc:Choice>
+    <mc:Fallback>
+      <p:transition spd="slow"/>
+    </mc:Fallback>
+  </mc:AlternateContent>
 </p:sld>
 </file>
 
@@ -13757,6 +14306,14 @@
   <p:clrMapOvr>
     <a:masterClrMapping/>
   </p:clrMapOvr>
+  <mc:AlternateContent xmlns:mc="http://schemas.openxmlformats.org/markup-compatibility/2006">
+    <mc:Choice xmlns:p14="http://schemas.microsoft.com/office/powerpoint/2010/main" Requires="p14">
+      <p:transition spd="slow" p14:dur="2000"/>
+    </mc:Choice>
+    <mc:Fallback>
+      <p:transition spd="slow"/>
+    </mc:Fallback>
+  </mc:AlternateContent>
 </p:sld>
 </file>
 
@@ -13921,6 +14478,14 @@
   <p:clrMapOvr>
     <a:masterClrMapping/>
   </p:clrMapOvr>
+  <mc:AlternateContent xmlns:mc="http://schemas.openxmlformats.org/markup-compatibility/2006">
+    <mc:Choice xmlns:p14="http://schemas.microsoft.com/office/powerpoint/2010/main" Requires="p14">
+      <p:transition spd="slow" p14:dur="2000"/>
+    </mc:Choice>
+    <mc:Fallback>
+      <p:transition spd="slow"/>
+    </mc:Fallback>
+  </mc:AlternateContent>
 </p:sld>
 </file>
 
@@ -14063,6 +14628,14 @@
   <p:clrMapOvr>
     <a:masterClrMapping/>
   </p:clrMapOvr>
+  <mc:AlternateContent xmlns:mc="http://schemas.openxmlformats.org/markup-compatibility/2006">
+    <mc:Choice xmlns:p14="http://schemas.microsoft.com/office/powerpoint/2010/main" Requires="p14">
+      <p:transition spd="slow" p14:dur="2000"/>
+    </mc:Choice>
+    <mc:Fallback>
+      <p:transition spd="slow"/>
+    </mc:Fallback>
+  </mc:AlternateContent>
 </p:sld>
 </file>
 
@@ -14240,6 +14813,14 @@
   <p:clrMapOvr>
     <a:masterClrMapping/>
   </p:clrMapOvr>
+  <mc:AlternateContent xmlns:mc="http://schemas.openxmlformats.org/markup-compatibility/2006">
+    <mc:Choice xmlns:p14="http://schemas.microsoft.com/office/powerpoint/2010/main" Requires="p14">
+      <p:transition spd="slow" p14:dur="2000"/>
+    </mc:Choice>
+    <mc:Fallback>
+      <p:transition spd="slow"/>
+    </mc:Fallback>
+  </mc:AlternateContent>
 </p:sld>
 </file>
 
@@ -14385,6 +14966,14 @@
   <p:clrMapOvr>
     <a:masterClrMapping/>
   </p:clrMapOvr>
+  <mc:AlternateContent xmlns:mc="http://schemas.openxmlformats.org/markup-compatibility/2006">
+    <mc:Choice xmlns:p14="http://schemas.microsoft.com/office/powerpoint/2010/main" Requires="p14">
+      <p:transition spd="slow" p14:dur="2000"/>
+    </mc:Choice>
+    <mc:Fallback>
+      <p:transition spd="slow"/>
+    </mc:Fallback>
+  </mc:AlternateContent>
 </p:sld>
 </file>
 
@@ -14511,6 +15100,14 @@
   <p:clrMapOvr>
     <a:masterClrMapping/>
   </p:clrMapOvr>
+  <mc:AlternateContent xmlns:mc="http://schemas.openxmlformats.org/markup-compatibility/2006">
+    <mc:Choice xmlns:p14="http://schemas.microsoft.com/office/powerpoint/2010/main" Requires="p14">
+      <p:transition spd="slow" p14:dur="2000"/>
+    </mc:Choice>
+    <mc:Fallback>
+      <p:transition spd="slow"/>
+    </mc:Fallback>
+  </mc:AlternateContent>
 </p:sld>
 </file>
 
@@ -14771,6 +15368,14 @@
   <p:clrMapOvr>
     <a:masterClrMapping/>
   </p:clrMapOvr>
+  <mc:AlternateContent xmlns:mc="http://schemas.openxmlformats.org/markup-compatibility/2006">
+    <mc:Choice xmlns:p14="http://schemas.microsoft.com/office/powerpoint/2010/main" Requires="p14">
+      <p:transition spd="slow" p14:dur="2000"/>
+    </mc:Choice>
+    <mc:Fallback>
+      <p:transition spd="slow"/>
+    </mc:Fallback>
+  </mc:AlternateContent>
 </p:sld>
 </file>
 
@@ -14946,6 +15551,14 @@
   <p:clrMapOvr>
     <a:masterClrMapping/>
   </p:clrMapOvr>
+  <mc:AlternateContent xmlns:mc="http://schemas.openxmlformats.org/markup-compatibility/2006">
+    <mc:Choice xmlns:p14="http://schemas.microsoft.com/office/powerpoint/2010/main" Requires="p14">
+      <p:transition spd="slow" p14:dur="2000"/>
+    </mc:Choice>
+    <mc:Fallback>
+      <p:transition spd="slow"/>
+    </mc:Fallback>
+  </mc:AlternateContent>
 </p:sld>
 </file>
 
@@ -15088,6 +15701,14 @@
   <p:clrMapOvr>
     <a:masterClrMapping/>
   </p:clrMapOvr>
+  <mc:AlternateContent xmlns:mc="http://schemas.openxmlformats.org/markup-compatibility/2006">
+    <mc:Choice xmlns:p14="http://schemas.microsoft.com/office/powerpoint/2010/main" Requires="p14">
+      <p:transition spd="slow" p14:dur="2000"/>
+    </mc:Choice>
+    <mc:Fallback>
+      <p:transition spd="slow"/>
+    </mc:Fallback>
+  </mc:AlternateContent>
 </p:sld>
 </file>
 
@@ -15255,6 +15876,14 @@
   <p:clrMapOvr>
     <a:masterClrMapping/>
   </p:clrMapOvr>
+  <mc:AlternateContent xmlns:mc="http://schemas.openxmlformats.org/markup-compatibility/2006">
+    <mc:Choice xmlns:p14="http://schemas.microsoft.com/office/powerpoint/2010/main" Requires="p14">
+      <p:transition spd="slow" p14:dur="2000"/>
+    </mc:Choice>
+    <mc:Fallback>
+      <p:transition spd="slow"/>
+    </mc:Fallback>
+  </mc:AlternateContent>
 </p:sld>
 </file>
 
@@ -15428,6 +16057,14 @@
   <p:clrMapOvr>
     <a:masterClrMapping/>
   </p:clrMapOvr>
+  <mc:AlternateContent xmlns:mc="http://schemas.openxmlformats.org/markup-compatibility/2006">
+    <mc:Choice xmlns:p14="http://schemas.microsoft.com/office/powerpoint/2010/main" Requires="p14">
+      <p:transition spd="slow" p14:dur="2000"/>
+    </mc:Choice>
+    <mc:Fallback>
+      <p:transition spd="slow"/>
+    </mc:Fallback>
+  </mc:AlternateContent>
 </p:sld>
 </file>
 
@@ -15554,6 +16191,14 @@
   <p:clrMapOvr>
     <a:masterClrMapping/>
   </p:clrMapOvr>
+  <mc:AlternateContent xmlns:mc="http://schemas.openxmlformats.org/markup-compatibility/2006">
+    <mc:Choice xmlns:p14="http://schemas.microsoft.com/office/powerpoint/2010/main" Requires="p14">
+      <p:transition spd="slow" p14:dur="2000"/>
+    </mc:Choice>
+    <mc:Fallback>
+      <p:transition spd="slow"/>
+    </mc:Fallback>
+  </mc:AlternateContent>
 </p:sld>
 </file>
 
@@ -15686,6 +16331,14 @@
   <p:clrMapOvr>
     <a:masterClrMapping/>
   </p:clrMapOvr>
+  <mc:AlternateContent xmlns:mc="http://schemas.openxmlformats.org/markup-compatibility/2006">
+    <mc:Choice xmlns:p14="http://schemas.microsoft.com/office/powerpoint/2010/main" Requires="p14">
+      <p:transition spd="slow" p14:dur="2000"/>
+    </mc:Choice>
+    <mc:Fallback>
+      <p:transition spd="slow"/>
+    </mc:Fallback>
+  </mc:AlternateContent>
 </p:sld>
 </file>
 
@@ -15870,6 +16523,14 @@
   <p:clrMapOvr>
     <a:masterClrMapping/>
   </p:clrMapOvr>
+  <mc:AlternateContent xmlns:mc="http://schemas.openxmlformats.org/markup-compatibility/2006">
+    <mc:Choice xmlns:p14="http://schemas.microsoft.com/office/powerpoint/2010/main" Requires="p14">
+      <p:transition spd="slow" p14:dur="2000"/>
+    </mc:Choice>
+    <mc:Fallback>
+      <p:transition spd="slow"/>
+    </mc:Fallback>
+  </mc:AlternateContent>
 </p:sld>
 </file>
 
@@ -16014,6 +16675,14 @@
   <p:clrMapOvr>
     <a:masterClrMapping/>
   </p:clrMapOvr>
+  <mc:AlternateContent xmlns:mc="http://schemas.openxmlformats.org/markup-compatibility/2006">
+    <mc:Choice xmlns:p14="http://schemas.microsoft.com/office/powerpoint/2010/main" Requires="p14">
+      <p:transition spd="slow" p14:dur="2000"/>
+    </mc:Choice>
+    <mc:Fallback>
+      <p:transition spd="slow"/>
+    </mc:Fallback>
+  </mc:AlternateContent>
 </p:sld>
 </file>
 
@@ -16171,6 +16840,14 @@
   <p:clrMapOvr>
     <a:masterClrMapping/>
   </p:clrMapOvr>
+  <mc:AlternateContent xmlns:mc="http://schemas.openxmlformats.org/markup-compatibility/2006">
+    <mc:Choice xmlns:p14="http://schemas.microsoft.com/office/powerpoint/2010/main" Requires="p14">
+      <p:transition spd="slow" p14:dur="2000"/>
+    </mc:Choice>
+    <mc:Fallback>
+      <p:transition spd="slow"/>
+    </mc:Fallback>
+  </mc:AlternateContent>
 </p:sld>
 </file>
 
@@ -16326,6 +17003,14 @@
   <p:clrMapOvr>
     <a:masterClrMapping/>
   </p:clrMapOvr>
+  <mc:AlternateContent xmlns:mc="http://schemas.openxmlformats.org/markup-compatibility/2006">
+    <mc:Choice xmlns:p14="http://schemas.microsoft.com/office/powerpoint/2010/main" Requires="p14">
+      <p:transition spd="slow" p14:dur="2000"/>
+    </mc:Choice>
+    <mc:Fallback>
+      <p:transition spd="slow"/>
+    </mc:Fallback>
+  </mc:AlternateContent>
 </p:sld>
 </file>
 
@@ -16464,6 +17149,14 @@
   <p:clrMapOvr>
     <a:masterClrMapping/>
   </p:clrMapOvr>
+  <mc:AlternateContent xmlns:mc="http://schemas.openxmlformats.org/markup-compatibility/2006">
+    <mc:Choice xmlns:p14="http://schemas.microsoft.com/office/powerpoint/2010/main" Requires="p14">
+      <p:transition spd="slow" p14:dur="2000"/>
+    </mc:Choice>
+    <mc:Fallback>
+      <p:transition spd="slow"/>
+    </mc:Fallback>
+  </mc:AlternateContent>
 </p:sld>
 </file>
 
@@ -16639,6 +17332,14 @@
   <p:clrMapOvr>
     <a:masterClrMapping/>
   </p:clrMapOvr>
+  <mc:AlternateContent xmlns:mc="http://schemas.openxmlformats.org/markup-compatibility/2006">
+    <mc:Choice xmlns:p14="http://schemas.microsoft.com/office/powerpoint/2010/main" Requires="p14">
+      <p:transition spd="slow" p14:dur="2000"/>
+    </mc:Choice>
+    <mc:Fallback>
+      <p:transition spd="slow"/>
+    </mc:Fallback>
+  </mc:AlternateContent>
 </p:sld>
 </file>
 
@@ -16789,6 +17490,14 @@
   <p:clrMapOvr>
     <a:masterClrMapping/>
   </p:clrMapOvr>
+  <mc:AlternateContent xmlns:mc="http://schemas.openxmlformats.org/markup-compatibility/2006">
+    <mc:Choice xmlns:p14="http://schemas.microsoft.com/office/powerpoint/2010/main" Requires="p14">
+      <p:transition spd="slow" p14:dur="2000"/>
+    </mc:Choice>
+    <mc:Fallback>
+      <p:transition spd="slow"/>
+    </mc:Fallback>
+  </mc:AlternateContent>
 </p:sld>
 </file>
 
@@ -16958,6 +17667,14 @@
   <p:clrMapOvr>
     <a:masterClrMapping/>
   </p:clrMapOvr>
+  <mc:AlternateContent xmlns:mc="http://schemas.openxmlformats.org/markup-compatibility/2006">
+    <mc:Choice xmlns:p14="http://schemas.microsoft.com/office/powerpoint/2010/main" Requires="p14">
+      <p:transition spd="slow" p14:dur="2000"/>
+    </mc:Choice>
+    <mc:Fallback>
+      <p:transition spd="slow"/>
+    </mc:Fallback>
+  </mc:AlternateContent>
 </p:sld>
 </file>
 
@@ -17084,6 +17801,14 @@
   <p:clrMapOvr>
     <a:masterClrMapping/>
   </p:clrMapOvr>
+  <mc:AlternateContent xmlns:mc="http://schemas.openxmlformats.org/markup-compatibility/2006">
+    <mc:Choice xmlns:p14="http://schemas.microsoft.com/office/powerpoint/2010/main" Requires="p14">
+      <p:transition spd="slow" p14:dur="2000"/>
+    </mc:Choice>
+    <mc:Fallback>
+      <p:transition spd="slow"/>
+    </mc:Fallback>
+  </mc:AlternateContent>
 </p:sld>
 </file>
 
@@ -17273,6 +17998,14 @@
   <p:clrMapOvr>
     <a:masterClrMapping/>
   </p:clrMapOvr>
+  <mc:AlternateContent xmlns:mc="http://schemas.openxmlformats.org/markup-compatibility/2006">
+    <mc:Choice xmlns:p14="http://schemas.microsoft.com/office/powerpoint/2010/main" Requires="p14">
+      <p:transition spd="slow" p14:dur="2000"/>
+    </mc:Choice>
+    <mc:Fallback>
+      <p:transition spd="slow"/>
+    </mc:Fallback>
+  </mc:AlternateContent>
 </p:sld>
 </file>
 
@@ -17450,6 +18183,14 @@
   <p:clrMapOvr>
     <a:masterClrMapping/>
   </p:clrMapOvr>
+  <mc:AlternateContent xmlns:mc="http://schemas.openxmlformats.org/markup-compatibility/2006">
+    <mc:Choice xmlns:p14="http://schemas.microsoft.com/office/powerpoint/2010/main" Requires="p14">
+      <p:transition spd="slow" p14:dur="2000"/>
+    </mc:Choice>
+    <mc:Fallback>
+      <p:transition spd="slow"/>
+    </mc:Fallback>
+  </mc:AlternateContent>
 </p:sld>
 </file>
 
@@ -17641,6 +18382,14 @@
   <p:clrMapOvr>
     <a:masterClrMapping/>
   </p:clrMapOvr>
+  <mc:AlternateContent xmlns:mc="http://schemas.openxmlformats.org/markup-compatibility/2006">
+    <mc:Choice xmlns:p14="http://schemas.microsoft.com/office/powerpoint/2010/main" Requires="p14">
+      <p:transition spd="slow" p14:dur="2000"/>
+    </mc:Choice>
+    <mc:Fallback>
+      <p:transition spd="slow"/>
+    </mc:Fallback>
+  </mc:AlternateContent>
 </p:sld>
 </file>
 
